--- a/docs/source/figures.pptx
+++ b/docs/source/figures.pptx
@@ -6,15 +6,17 @@
   </p:sldMasterIdLst>
   <p:sldIdLst>
     <p:sldId id="265" r:id="rId2"/>
-    <p:sldId id="256" r:id="rId3"/>
-    <p:sldId id="258" r:id="rId4"/>
-    <p:sldId id="259" r:id="rId5"/>
-    <p:sldId id="257" r:id="rId6"/>
-    <p:sldId id="260" r:id="rId7"/>
-    <p:sldId id="261" r:id="rId8"/>
-    <p:sldId id="262" r:id="rId9"/>
-    <p:sldId id="263" r:id="rId10"/>
-    <p:sldId id="264" r:id="rId11"/>
+    <p:sldId id="266" r:id="rId3"/>
+    <p:sldId id="267" r:id="rId4"/>
+    <p:sldId id="256" r:id="rId5"/>
+    <p:sldId id="258" r:id="rId6"/>
+    <p:sldId id="259" r:id="rId7"/>
+    <p:sldId id="257" r:id="rId8"/>
+    <p:sldId id="260" r:id="rId9"/>
+    <p:sldId id="261" r:id="rId10"/>
+    <p:sldId id="262" r:id="rId11"/>
+    <p:sldId id="263" r:id="rId12"/>
+    <p:sldId id="264" r:id="rId13"/>
   </p:sldIdLst>
   <p:sldSz cx="12192000" cy="6858000"/>
   <p:notesSz cx="6858000" cy="9144000"/>
@@ -250,7 +252,7 @@
           <a:p>
             <a:fld id="{31765294-28F1-6F4A-855D-D9AA49034E94}" type="datetimeFigureOut">
               <a:rPr lang="en-US" smtClean="0"/>
-              <a:t>7/11/23</a:t>
+              <a:t>7/14/23</a:t>
             </a:fld>
             <a:endParaRPr lang="en-US"/>
           </a:p>
@@ -418,7 +420,7 @@
           <a:p>
             <a:fld id="{31765294-28F1-6F4A-855D-D9AA49034E94}" type="datetimeFigureOut">
               <a:rPr lang="en-US" smtClean="0"/>
-              <a:t>7/11/23</a:t>
+              <a:t>7/14/23</a:t>
             </a:fld>
             <a:endParaRPr lang="en-US"/>
           </a:p>
@@ -596,7 +598,7 @@
           <a:p>
             <a:fld id="{31765294-28F1-6F4A-855D-D9AA49034E94}" type="datetimeFigureOut">
               <a:rPr lang="en-US" smtClean="0"/>
-              <a:t>7/11/23</a:t>
+              <a:t>7/14/23</a:t>
             </a:fld>
             <a:endParaRPr lang="en-US"/>
           </a:p>
@@ -764,7 +766,7 @@
           <a:p>
             <a:fld id="{31765294-28F1-6F4A-855D-D9AA49034E94}" type="datetimeFigureOut">
               <a:rPr lang="en-US" smtClean="0"/>
-              <a:t>7/11/23</a:t>
+              <a:t>7/14/23</a:t>
             </a:fld>
             <a:endParaRPr lang="en-US"/>
           </a:p>
@@ -1009,7 +1011,7 @@
           <a:p>
             <a:fld id="{31765294-28F1-6F4A-855D-D9AA49034E94}" type="datetimeFigureOut">
               <a:rPr lang="en-US" smtClean="0"/>
-              <a:t>7/11/23</a:t>
+              <a:t>7/14/23</a:t>
             </a:fld>
             <a:endParaRPr lang="en-US"/>
           </a:p>
@@ -1238,7 +1240,7 @@
           <a:p>
             <a:fld id="{31765294-28F1-6F4A-855D-D9AA49034E94}" type="datetimeFigureOut">
               <a:rPr lang="en-US" smtClean="0"/>
-              <a:t>7/11/23</a:t>
+              <a:t>7/14/23</a:t>
             </a:fld>
             <a:endParaRPr lang="en-US"/>
           </a:p>
@@ -1602,7 +1604,7 @@
           <a:p>
             <a:fld id="{31765294-28F1-6F4A-855D-D9AA49034E94}" type="datetimeFigureOut">
               <a:rPr lang="en-US" smtClean="0"/>
-              <a:t>7/11/23</a:t>
+              <a:t>7/14/23</a:t>
             </a:fld>
             <a:endParaRPr lang="en-US"/>
           </a:p>
@@ -1719,7 +1721,7 @@
           <a:p>
             <a:fld id="{31765294-28F1-6F4A-855D-D9AA49034E94}" type="datetimeFigureOut">
               <a:rPr lang="en-US" smtClean="0"/>
-              <a:t>7/11/23</a:t>
+              <a:t>7/14/23</a:t>
             </a:fld>
             <a:endParaRPr lang="en-US"/>
           </a:p>
@@ -1814,7 +1816,7 @@
           <a:p>
             <a:fld id="{31765294-28F1-6F4A-855D-D9AA49034E94}" type="datetimeFigureOut">
               <a:rPr lang="en-US" smtClean="0"/>
-              <a:t>7/11/23</a:t>
+              <a:t>7/14/23</a:t>
             </a:fld>
             <a:endParaRPr lang="en-US"/>
           </a:p>
@@ -2089,7 +2091,7 @@
           <a:p>
             <a:fld id="{31765294-28F1-6F4A-855D-D9AA49034E94}" type="datetimeFigureOut">
               <a:rPr lang="en-US" smtClean="0"/>
-              <a:t>7/11/23</a:t>
+              <a:t>7/14/23</a:t>
             </a:fld>
             <a:endParaRPr lang="en-US"/>
           </a:p>
@@ -2341,7 +2343,7 @@
           <a:p>
             <a:fld id="{31765294-28F1-6F4A-855D-D9AA49034E94}" type="datetimeFigureOut">
               <a:rPr lang="en-US" smtClean="0"/>
-              <a:t>7/11/23</a:t>
+              <a:t>7/14/23</a:t>
             </a:fld>
             <a:endParaRPr lang="en-US"/>
           </a:p>
@@ -2552,7 +2554,7 @@
           <a:p>
             <a:fld id="{31765294-28F1-6F4A-855D-D9AA49034E94}" type="datetimeFigureOut">
               <a:rPr lang="en-US" smtClean="0"/>
-              <a:t>7/11/23</a:t>
+              <a:t>7/14/23</a:t>
             </a:fld>
             <a:endParaRPr lang="en-US"/>
           </a:p>
@@ -3555,6 +3557,124 @@
           <p:cNvPr id="5" name="Picture 4">
             <a:extLst>
               <a:ext uri="{FF2B5EF4-FFF2-40B4-BE49-F238E27FC236}">
+                <a16:creationId xmlns:a16="http://schemas.microsoft.com/office/drawing/2014/main" id="{6EB90009-678F-1141-ACD6-953B75C8E90D}"/>
+              </a:ext>
+            </a:extLst>
+          </p:cNvPr>
+          <p:cNvPicPr>
+            <a:picLocks noChangeAspect="1"/>
+          </p:cNvPicPr>
+          <p:nvPr/>
+        </p:nvPicPr>
+        <p:blipFill rotWithShape="1">
+          <a:blip r:embed="rId2"/>
+          <a:srcRect l="9074" t="53489" r="18412"/>
+          <a:stretch/>
+        </p:blipFill>
+        <p:spPr>
+          <a:xfrm>
+            <a:off x="2243469" y="3668232"/>
+            <a:ext cx="6826103" cy="3189768"/>
+          </a:xfrm>
+          <a:prstGeom prst="rect">
+            <a:avLst/>
+          </a:prstGeom>
+        </p:spPr>
+      </p:pic>
+    </p:spTree>
+    <p:extLst>
+      <p:ext uri="{BB962C8B-B14F-4D97-AF65-F5344CB8AC3E}">
+        <p14:creationId xmlns:p14="http://schemas.microsoft.com/office/powerpoint/2010/main" val="729834690"/>
+      </p:ext>
+    </p:extLst>
+  </p:cSld>
+  <p:clrMapOvr>
+    <a:masterClrMapping/>
+  </p:clrMapOvr>
+</p:sld>
+</file>
+
+<file path=ppt/slides/slide11.xml><?xml version="1.0" encoding="utf-8"?>
+<p:sld xmlns:a="http://schemas.openxmlformats.org/drawingml/2006/main" xmlns:r="http://schemas.openxmlformats.org/officeDocument/2006/relationships" xmlns:p="http://schemas.openxmlformats.org/presentationml/2006/main">
+  <p:cSld>
+    <p:spTree>
+      <p:nvGrpSpPr>
+        <p:cNvPr id="1" name=""/>
+        <p:cNvGrpSpPr/>
+        <p:nvPr/>
+      </p:nvGrpSpPr>
+      <p:grpSpPr>
+        <a:xfrm>
+          <a:off x="0" y="0"/>
+          <a:ext cx="0" cy="0"/>
+          <a:chOff x="0" y="0"/>
+          <a:chExt cx="0" cy="0"/>
+        </a:xfrm>
+      </p:grpSpPr>
+      <p:pic>
+        <p:nvPicPr>
+          <p:cNvPr id="5" name="Picture 4">
+            <a:extLst>
+              <a:ext uri="{FF2B5EF4-FFF2-40B4-BE49-F238E27FC236}">
+                <a16:creationId xmlns:a16="http://schemas.microsoft.com/office/drawing/2014/main" id="{5BA9FD6E-80E7-D848-9F2E-C03819D7B304}"/>
+              </a:ext>
+            </a:extLst>
+          </p:cNvPr>
+          <p:cNvPicPr>
+            <a:picLocks noChangeAspect="1"/>
+          </p:cNvPicPr>
+          <p:nvPr/>
+        </p:nvPicPr>
+        <p:blipFill rotWithShape="1">
+          <a:blip r:embed="rId2"/>
+          <a:srcRect l="9075" t="52248" r="23495" b="2015"/>
+          <a:stretch/>
+        </p:blipFill>
+        <p:spPr>
+          <a:xfrm>
+            <a:off x="2243470" y="3583172"/>
+            <a:ext cx="6347637" cy="3136605"/>
+          </a:xfrm>
+          <a:prstGeom prst="rect">
+            <a:avLst/>
+          </a:prstGeom>
+        </p:spPr>
+      </p:pic>
+    </p:spTree>
+    <p:extLst>
+      <p:ext uri="{BB962C8B-B14F-4D97-AF65-F5344CB8AC3E}">
+        <p14:creationId xmlns:p14="http://schemas.microsoft.com/office/powerpoint/2010/main" val="2552109297"/>
+      </p:ext>
+    </p:extLst>
+  </p:cSld>
+  <p:clrMapOvr>
+    <a:masterClrMapping/>
+  </p:clrMapOvr>
+</p:sld>
+</file>
+
+<file path=ppt/slides/slide12.xml><?xml version="1.0" encoding="utf-8"?>
+<p:sld xmlns:a="http://schemas.openxmlformats.org/drawingml/2006/main" xmlns:r="http://schemas.openxmlformats.org/officeDocument/2006/relationships" xmlns:p="http://schemas.openxmlformats.org/presentationml/2006/main">
+  <p:cSld>
+    <p:spTree>
+      <p:nvGrpSpPr>
+        <p:cNvPr id="1" name=""/>
+        <p:cNvGrpSpPr/>
+        <p:nvPr/>
+      </p:nvGrpSpPr>
+      <p:grpSpPr>
+        <a:xfrm>
+          <a:off x="0" y="0"/>
+          <a:ext cx="0" cy="0"/>
+          <a:chOff x="0" y="0"/>
+          <a:chExt cx="0" cy="0"/>
+        </a:xfrm>
+      </p:grpSpPr>
+      <p:pic>
+        <p:nvPicPr>
+          <p:cNvPr id="5" name="Picture 4">
+            <a:extLst>
+              <a:ext uri="{FF2B5EF4-FFF2-40B4-BE49-F238E27FC236}">
                 <a16:creationId xmlns:a16="http://schemas.microsoft.com/office/drawing/2014/main" id="{7FB850CC-5B1C-F749-8E0C-DADB4662EA4E}"/>
               </a:ext>
             </a:extLst>
@@ -3611,27 +3731,265 @@
       </p:grpSpPr>
       <p:pic>
         <p:nvPicPr>
-          <p:cNvPr id="4" name="Picture 3"/>
+          <p:cNvPr id="4" name="Picture 3">
+            <a:extLst>
+              <a:ext uri="{FF2B5EF4-FFF2-40B4-BE49-F238E27FC236}">
+                <a16:creationId xmlns:a16="http://schemas.microsoft.com/office/drawing/2014/main" id="{B3D4929C-96F4-D469-960E-B23904DD831A}"/>
+              </a:ext>
+            </a:extLst>
+          </p:cNvPr>
           <p:cNvPicPr>
             <a:picLocks noChangeAspect="1"/>
           </p:cNvPicPr>
           <p:nvPr/>
         </p:nvPicPr>
-        <p:blipFill rotWithShape="1">
-          <a:blip r:embed="rId2">
+        <p:blipFill>
+          <a:blip r:embed="rId2"/>
+          <a:srcRect/>
+          <a:stretch/>
+        </p:blipFill>
+        <p:spPr>
+          <a:xfrm>
+            <a:off x="1090853" y="0"/>
+            <a:ext cx="9634278" cy="4258728"/>
+          </a:xfrm>
+          <a:prstGeom prst="rect">
+            <a:avLst/>
+          </a:prstGeom>
+        </p:spPr>
+      </p:pic>
+      <p:sp>
+        <p:nvSpPr>
+          <p:cNvPr id="5" name="Rectangle 4">
             <a:extLst>
-              <a:ext uri="{28A0092B-C50C-407E-A947-70E740481C1C}">
-                <a14:useLocalDpi xmlns:a14="http://schemas.microsoft.com/office/drawing/2010/main" val="0"/>
+              <a:ext uri="{FF2B5EF4-FFF2-40B4-BE49-F238E27FC236}">
+                <a16:creationId xmlns:a16="http://schemas.microsoft.com/office/drawing/2014/main" id="{CC30604D-AE3D-5CD0-5C05-903BBE7CB660}"/>
               </a:ext>
             </a:extLst>
-          </a:blip>
-          <a:srcRect l="2274" t="23379" r="21838" b="15982"/>
-          <a:stretch/>
+          </p:cNvPr>
+          <p:cNvSpPr/>
+          <p:nvPr/>
+        </p:nvSpPr>
+        <p:spPr>
+          <a:xfrm>
+            <a:off x="1735387" y="724823"/>
+            <a:ext cx="1699700" cy="286109"/>
+          </a:xfrm>
+          <a:prstGeom prst="rect">
+            <a:avLst/>
+          </a:prstGeom>
+          <a:noFill/>
+          <a:ln w="38100">
+            <a:solidFill>
+              <a:srgbClr val="FF0000"/>
+            </a:solidFill>
+          </a:ln>
+        </p:spPr>
+        <p:style>
+          <a:lnRef idx="2">
+            <a:schemeClr val="accent1">
+              <a:shade val="15000"/>
+            </a:schemeClr>
+          </a:lnRef>
+          <a:fillRef idx="1">
+            <a:schemeClr val="accent1"/>
+          </a:fillRef>
+          <a:effectRef idx="0">
+            <a:schemeClr val="accent1"/>
+          </a:effectRef>
+          <a:fontRef idx="minor">
+            <a:schemeClr val="lt1"/>
+          </a:fontRef>
+        </p:style>
+        <p:txBody>
+          <a:bodyPr rtlCol="0" anchor="ctr"/>
+          <a:lstStyle/>
+          <a:p>
+            <a:pPr algn="ctr"/>
+            <a:endParaRPr lang="en-US"/>
+          </a:p>
+        </p:txBody>
+      </p:sp>
+      <p:sp>
+        <p:nvSpPr>
+          <p:cNvPr id="6" name="Rectangle 5">
+            <a:extLst>
+              <a:ext uri="{FF2B5EF4-FFF2-40B4-BE49-F238E27FC236}">
+                <a16:creationId xmlns:a16="http://schemas.microsoft.com/office/drawing/2014/main" id="{55366DB2-F26C-C740-D103-AD4C5BEC3288}"/>
+              </a:ext>
+            </a:extLst>
+          </p:cNvPr>
+          <p:cNvSpPr/>
+          <p:nvPr/>
+        </p:nvSpPr>
+        <p:spPr>
+          <a:xfrm>
+            <a:off x="4673716" y="724822"/>
+            <a:ext cx="1234277" cy="286109"/>
+          </a:xfrm>
+          <a:prstGeom prst="rect">
+            <a:avLst/>
+          </a:prstGeom>
+          <a:noFill/>
+          <a:ln w="38100">
+            <a:solidFill>
+              <a:srgbClr val="FF0000"/>
+            </a:solidFill>
+          </a:ln>
+        </p:spPr>
+        <p:style>
+          <a:lnRef idx="2">
+            <a:schemeClr val="accent1">
+              <a:shade val="15000"/>
+            </a:schemeClr>
+          </a:lnRef>
+          <a:fillRef idx="1">
+            <a:schemeClr val="accent1"/>
+          </a:fillRef>
+          <a:effectRef idx="0">
+            <a:schemeClr val="accent1"/>
+          </a:effectRef>
+          <a:fontRef idx="minor">
+            <a:schemeClr val="lt1"/>
+          </a:fontRef>
+        </p:style>
+        <p:txBody>
+          <a:bodyPr rtlCol="0" anchor="ctr"/>
+          <a:lstStyle/>
+          <a:p>
+            <a:pPr algn="ctr"/>
+            <a:endParaRPr lang="en-US"/>
+          </a:p>
+        </p:txBody>
+      </p:sp>
+      <p:sp>
+        <p:nvSpPr>
+          <p:cNvPr id="7" name="Rectangle 6">
+            <a:extLst>
+              <a:ext uri="{FF2B5EF4-FFF2-40B4-BE49-F238E27FC236}">
+                <a16:creationId xmlns:a16="http://schemas.microsoft.com/office/drawing/2014/main" id="{071A20BD-7A6B-905A-89D6-40E2466B70FF}"/>
+              </a:ext>
+            </a:extLst>
+          </p:cNvPr>
+          <p:cNvSpPr/>
+          <p:nvPr/>
+        </p:nvSpPr>
+        <p:spPr>
+          <a:xfrm>
+            <a:off x="6748919" y="724821"/>
+            <a:ext cx="1631982" cy="286109"/>
+          </a:xfrm>
+          <a:prstGeom prst="rect">
+            <a:avLst/>
+          </a:prstGeom>
+          <a:noFill/>
+          <a:ln w="38100">
+            <a:solidFill>
+              <a:srgbClr val="FF0000"/>
+            </a:solidFill>
+          </a:ln>
+        </p:spPr>
+        <p:style>
+          <a:lnRef idx="2">
+            <a:schemeClr val="accent1">
+              <a:shade val="15000"/>
+            </a:schemeClr>
+          </a:lnRef>
+          <a:fillRef idx="1">
+            <a:schemeClr val="accent1"/>
+          </a:fillRef>
+          <a:effectRef idx="0">
+            <a:schemeClr val="accent1"/>
+          </a:effectRef>
+          <a:fontRef idx="minor">
+            <a:schemeClr val="lt1"/>
+          </a:fontRef>
+        </p:style>
+        <p:txBody>
+          <a:bodyPr rtlCol="0" anchor="ctr"/>
+          <a:lstStyle/>
+          <a:p>
+            <a:pPr algn="ctr"/>
+            <a:endParaRPr lang="en-US"/>
+          </a:p>
+        </p:txBody>
+      </p:sp>
+      <p:sp>
+        <p:nvSpPr>
+          <p:cNvPr id="8" name="Rectangle 7">
+            <a:extLst>
+              <a:ext uri="{FF2B5EF4-FFF2-40B4-BE49-F238E27FC236}">
+                <a16:creationId xmlns:a16="http://schemas.microsoft.com/office/drawing/2014/main" id="{3AB24CC4-E19C-4E7F-5719-C78775E5CE3B}"/>
+              </a:ext>
+            </a:extLst>
+          </p:cNvPr>
+          <p:cNvSpPr/>
+          <p:nvPr/>
+        </p:nvSpPr>
+        <p:spPr>
+          <a:xfrm>
+            <a:off x="1118248" y="1710117"/>
+            <a:ext cx="1454037" cy="393609"/>
+          </a:xfrm>
+          <a:prstGeom prst="rect">
+            <a:avLst/>
+          </a:prstGeom>
+          <a:noFill/>
+          <a:ln w="38100">
+            <a:solidFill>
+              <a:srgbClr val="FF0000"/>
+            </a:solidFill>
+          </a:ln>
+        </p:spPr>
+        <p:style>
+          <a:lnRef idx="2">
+            <a:schemeClr val="accent1">
+              <a:shade val="15000"/>
+            </a:schemeClr>
+          </a:lnRef>
+          <a:fillRef idx="1">
+            <a:schemeClr val="accent1"/>
+          </a:fillRef>
+          <a:effectRef idx="0">
+            <a:schemeClr val="accent1"/>
+          </a:effectRef>
+          <a:fontRef idx="minor">
+            <a:schemeClr val="lt1"/>
+          </a:fontRef>
+        </p:style>
+        <p:txBody>
+          <a:bodyPr rtlCol="0" anchor="ctr"/>
+          <a:lstStyle/>
+          <a:p>
+            <a:pPr algn="ctr"/>
+            <a:endParaRPr lang="en-US"/>
+          </a:p>
+        </p:txBody>
+      </p:sp>
+      <p:pic>
+        <p:nvPicPr>
+          <p:cNvPr id="9" name="Picture 8">
+            <a:extLst>
+              <a:ext uri="{FF2B5EF4-FFF2-40B4-BE49-F238E27FC236}">
+                <a16:creationId xmlns:a16="http://schemas.microsoft.com/office/drawing/2014/main" id="{C3EE799D-7CD4-AD1D-33A9-FDFE97A90ABF}"/>
+              </a:ext>
+            </a:extLst>
+          </p:cNvPr>
+          <p:cNvPicPr>
+            <a:picLocks noChangeAspect="1"/>
+          </p:cNvPicPr>
+          <p:nvPr/>
+        </p:nvPicPr>
+        <p:blipFill>
+          <a:blip r:embed="rId3"/>
+          <a:stretch>
+            <a:fillRect/>
+          </a:stretch>
         </p:blipFill>
         <p:spPr>
           <a:xfrm>
-            <a:off x="325677" y="1603332"/>
-            <a:ext cx="9169052" cy="4158641"/>
+            <a:off x="1090850" y="2599272"/>
+            <a:ext cx="9634281" cy="4258728"/>
           </a:xfrm>
           <a:prstGeom prst="rect">
             <a:avLst/>
@@ -3641,7 +3999,7 @@
     </p:spTree>
     <p:extLst>
       <p:ext uri="{BB962C8B-B14F-4D97-AF65-F5344CB8AC3E}">
-        <p14:creationId xmlns:p14="http://schemas.microsoft.com/office/powerpoint/2010/main" val="1499282426"/>
+        <p14:creationId xmlns:p14="http://schemas.microsoft.com/office/powerpoint/2010/main" val="2564080367"/>
       </p:ext>
     </p:extLst>
   </p:cSld>
@@ -3670,37 +4028,326 @@
       </p:grpSpPr>
       <p:pic>
         <p:nvPicPr>
-          <p:cNvPr id="4" name="Picture 3"/>
+          <p:cNvPr id="4" name="Picture 3">
+            <a:extLst>
+              <a:ext uri="{FF2B5EF4-FFF2-40B4-BE49-F238E27FC236}">
+                <a16:creationId xmlns:a16="http://schemas.microsoft.com/office/drawing/2014/main" id="{B3D4929C-96F4-D469-960E-B23904DD831A}"/>
+              </a:ext>
+            </a:extLst>
+          </p:cNvPr>
           <p:cNvPicPr>
             <a:picLocks noChangeAspect="1"/>
           </p:cNvPicPr>
           <p:nvPr/>
         </p:nvPicPr>
-        <p:blipFill rotWithShape="1">
-          <a:blip r:embed="rId2">
+        <p:blipFill>
+          <a:blip r:embed="rId2"/>
+          <a:srcRect/>
+          <a:stretch/>
+        </p:blipFill>
+        <p:spPr>
+          <a:xfrm>
+            <a:off x="1090853" y="0"/>
+            <a:ext cx="9634278" cy="4258727"/>
+          </a:xfrm>
+          <a:prstGeom prst="rect">
+            <a:avLst/>
+          </a:prstGeom>
+        </p:spPr>
+      </p:pic>
+      <p:sp>
+        <p:nvSpPr>
+          <p:cNvPr id="5" name="Rectangle 4">
             <a:extLst>
-              <a:ext uri="{28A0092B-C50C-407E-A947-70E740481C1C}">
-                <a14:useLocalDpi xmlns:a14="http://schemas.microsoft.com/office/drawing/2010/main" val="0"/>
+              <a:ext uri="{FF2B5EF4-FFF2-40B4-BE49-F238E27FC236}">
+                <a16:creationId xmlns:a16="http://schemas.microsoft.com/office/drawing/2014/main" id="{CC30604D-AE3D-5CD0-5C05-903BBE7CB660}"/>
               </a:ext>
             </a:extLst>
-          </a:blip>
-          <a:srcRect l="2308" t="36141" r="22133" b="16212"/>
+          </p:cNvPr>
+          <p:cNvSpPr/>
+          <p:nvPr/>
+        </p:nvSpPr>
+        <p:spPr>
+          <a:xfrm>
+            <a:off x="1735387" y="724823"/>
+            <a:ext cx="1699700" cy="286109"/>
+          </a:xfrm>
+          <a:prstGeom prst="rect">
+            <a:avLst/>
+          </a:prstGeom>
+          <a:noFill/>
+          <a:ln w="38100">
+            <a:solidFill>
+              <a:srgbClr val="FF0000"/>
+            </a:solidFill>
+          </a:ln>
+        </p:spPr>
+        <p:style>
+          <a:lnRef idx="2">
+            <a:schemeClr val="accent1">
+              <a:shade val="15000"/>
+            </a:schemeClr>
+          </a:lnRef>
+          <a:fillRef idx="1">
+            <a:schemeClr val="accent1"/>
+          </a:fillRef>
+          <a:effectRef idx="0">
+            <a:schemeClr val="accent1"/>
+          </a:effectRef>
+          <a:fontRef idx="minor">
+            <a:schemeClr val="lt1"/>
+          </a:fontRef>
+        </p:style>
+        <p:txBody>
+          <a:bodyPr rtlCol="0" anchor="ctr"/>
+          <a:lstStyle/>
+          <a:p>
+            <a:pPr algn="ctr"/>
+            <a:endParaRPr lang="en-US"/>
+          </a:p>
+        </p:txBody>
+      </p:sp>
+      <p:sp>
+        <p:nvSpPr>
+          <p:cNvPr id="6" name="Rectangle 5">
+            <a:extLst>
+              <a:ext uri="{FF2B5EF4-FFF2-40B4-BE49-F238E27FC236}">
+                <a16:creationId xmlns:a16="http://schemas.microsoft.com/office/drawing/2014/main" id="{55366DB2-F26C-C740-D103-AD4C5BEC3288}"/>
+              </a:ext>
+            </a:extLst>
+          </p:cNvPr>
+          <p:cNvSpPr/>
+          <p:nvPr/>
+        </p:nvSpPr>
+        <p:spPr>
+          <a:xfrm>
+            <a:off x="4673716" y="724822"/>
+            <a:ext cx="1234277" cy="286109"/>
+          </a:xfrm>
+          <a:prstGeom prst="rect">
+            <a:avLst/>
+          </a:prstGeom>
+          <a:noFill/>
+          <a:ln w="38100">
+            <a:solidFill>
+              <a:srgbClr val="FF0000"/>
+            </a:solidFill>
+          </a:ln>
+        </p:spPr>
+        <p:style>
+          <a:lnRef idx="2">
+            <a:schemeClr val="accent1">
+              <a:shade val="15000"/>
+            </a:schemeClr>
+          </a:lnRef>
+          <a:fillRef idx="1">
+            <a:schemeClr val="accent1"/>
+          </a:fillRef>
+          <a:effectRef idx="0">
+            <a:schemeClr val="accent1"/>
+          </a:effectRef>
+          <a:fontRef idx="minor">
+            <a:schemeClr val="lt1"/>
+          </a:fontRef>
+        </p:style>
+        <p:txBody>
+          <a:bodyPr rtlCol="0" anchor="ctr"/>
+          <a:lstStyle/>
+          <a:p>
+            <a:pPr algn="ctr"/>
+            <a:endParaRPr lang="en-US"/>
+          </a:p>
+        </p:txBody>
+      </p:sp>
+      <p:sp>
+        <p:nvSpPr>
+          <p:cNvPr id="7" name="Rectangle 6">
+            <a:extLst>
+              <a:ext uri="{FF2B5EF4-FFF2-40B4-BE49-F238E27FC236}">
+                <a16:creationId xmlns:a16="http://schemas.microsoft.com/office/drawing/2014/main" id="{071A20BD-7A6B-905A-89D6-40E2466B70FF}"/>
+              </a:ext>
+            </a:extLst>
+          </p:cNvPr>
+          <p:cNvSpPr/>
+          <p:nvPr/>
+        </p:nvSpPr>
+        <p:spPr>
+          <a:xfrm>
+            <a:off x="6748919" y="724821"/>
+            <a:ext cx="1631982" cy="286109"/>
+          </a:xfrm>
+          <a:prstGeom prst="rect">
+            <a:avLst/>
+          </a:prstGeom>
+          <a:noFill/>
+          <a:ln w="38100">
+            <a:solidFill>
+              <a:srgbClr val="FF0000"/>
+            </a:solidFill>
+          </a:ln>
+        </p:spPr>
+        <p:style>
+          <a:lnRef idx="2">
+            <a:schemeClr val="accent1">
+              <a:shade val="15000"/>
+            </a:schemeClr>
+          </a:lnRef>
+          <a:fillRef idx="1">
+            <a:schemeClr val="accent1"/>
+          </a:fillRef>
+          <a:effectRef idx="0">
+            <a:schemeClr val="accent1"/>
+          </a:effectRef>
+          <a:fontRef idx="minor">
+            <a:schemeClr val="lt1"/>
+          </a:fontRef>
+        </p:style>
+        <p:txBody>
+          <a:bodyPr rtlCol="0" anchor="ctr"/>
+          <a:lstStyle/>
+          <a:p>
+            <a:pPr algn="ctr"/>
+            <a:endParaRPr lang="en-US"/>
+          </a:p>
+        </p:txBody>
+      </p:sp>
+      <p:sp>
+        <p:nvSpPr>
+          <p:cNvPr id="8" name="Rectangle 7">
+            <a:extLst>
+              <a:ext uri="{FF2B5EF4-FFF2-40B4-BE49-F238E27FC236}">
+                <a16:creationId xmlns:a16="http://schemas.microsoft.com/office/drawing/2014/main" id="{3AB24CC4-E19C-4E7F-5719-C78775E5CE3B}"/>
+              </a:ext>
+            </a:extLst>
+          </p:cNvPr>
+          <p:cNvSpPr/>
+          <p:nvPr/>
+        </p:nvSpPr>
+        <p:spPr>
+          <a:xfrm>
+            <a:off x="1118248" y="1710117"/>
+            <a:ext cx="1454037" cy="393609"/>
+          </a:xfrm>
+          <a:prstGeom prst="rect">
+            <a:avLst/>
+          </a:prstGeom>
+          <a:noFill/>
+          <a:ln w="38100">
+            <a:solidFill>
+              <a:srgbClr val="FF0000"/>
+            </a:solidFill>
+          </a:ln>
+        </p:spPr>
+        <p:style>
+          <a:lnRef idx="2">
+            <a:schemeClr val="accent1">
+              <a:shade val="15000"/>
+            </a:schemeClr>
+          </a:lnRef>
+          <a:fillRef idx="1">
+            <a:schemeClr val="accent1"/>
+          </a:fillRef>
+          <a:effectRef idx="0">
+            <a:schemeClr val="accent1"/>
+          </a:effectRef>
+          <a:fontRef idx="minor">
+            <a:schemeClr val="lt1"/>
+          </a:fontRef>
+        </p:style>
+        <p:txBody>
+          <a:bodyPr rtlCol="0" anchor="ctr"/>
+          <a:lstStyle/>
+          <a:p>
+            <a:pPr algn="ctr"/>
+            <a:endParaRPr lang="en-US"/>
+          </a:p>
+        </p:txBody>
+      </p:sp>
+      <p:pic>
+        <p:nvPicPr>
+          <p:cNvPr id="9" name="Picture 8">
+            <a:extLst>
+              <a:ext uri="{FF2B5EF4-FFF2-40B4-BE49-F238E27FC236}">
+                <a16:creationId xmlns:a16="http://schemas.microsoft.com/office/drawing/2014/main" id="{C3EE799D-7CD4-AD1D-33A9-FDFE97A90ABF}"/>
+              </a:ext>
+            </a:extLst>
+          </p:cNvPr>
+          <p:cNvPicPr>
+            <a:picLocks noChangeAspect="1"/>
+          </p:cNvPicPr>
+          <p:nvPr/>
+        </p:nvPicPr>
+        <p:blipFill>
+          <a:blip r:embed="rId3"/>
+          <a:srcRect/>
           <a:stretch/>
         </p:blipFill>
         <p:spPr>
           <a:xfrm>
-            <a:off x="450937" y="2492679"/>
-            <a:ext cx="8943584" cy="3219190"/>
+            <a:off x="1090851" y="2599272"/>
+            <a:ext cx="9634278" cy="4258728"/>
           </a:xfrm>
           <a:prstGeom prst="rect">
             <a:avLst/>
           </a:prstGeom>
         </p:spPr>
       </p:pic>
+      <p:sp>
+        <p:nvSpPr>
+          <p:cNvPr id="2" name="Rectangle 1">
+            <a:extLst>
+              <a:ext uri="{FF2B5EF4-FFF2-40B4-BE49-F238E27FC236}">
+                <a16:creationId xmlns:a16="http://schemas.microsoft.com/office/drawing/2014/main" id="{EBF89245-CE03-385B-25DA-203D2580C124}"/>
+              </a:ext>
+            </a:extLst>
+          </p:cNvPr>
+          <p:cNvSpPr/>
+          <p:nvPr/>
+        </p:nvSpPr>
+        <p:spPr>
+          <a:xfrm>
+            <a:off x="8940800" y="724821"/>
+            <a:ext cx="1784331" cy="286109"/>
+          </a:xfrm>
+          <a:prstGeom prst="rect">
+            <a:avLst/>
+          </a:prstGeom>
+          <a:noFill/>
+          <a:ln w="38100">
+            <a:solidFill>
+              <a:srgbClr val="FF0000"/>
+            </a:solidFill>
+          </a:ln>
+        </p:spPr>
+        <p:style>
+          <a:lnRef idx="2">
+            <a:schemeClr val="accent1">
+              <a:shade val="15000"/>
+            </a:schemeClr>
+          </a:lnRef>
+          <a:fillRef idx="1">
+            <a:schemeClr val="accent1"/>
+          </a:fillRef>
+          <a:effectRef idx="0">
+            <a:schemeClr val="accent1"/>
+          </a:effectRef>
+          <a:fontRef idx="minor">
+            <a:schemeClr val="lt1"/>
+          </a:fontRef>
+        </p:style>
+        <p:txBody>
+          <a:bodyPr rtlCol="0" anchor="ctr"/>
+          <a:lstStyle/>
+          <a:p>
+            <a:pPr algn="ctr"/>
+            <a:endParaRPr lang="en-US"/>
+          </a:p>
+        </p:txBody>
+      </p:sp>
     </p:spTree>
     <p:extLst>
       <p:ext uri="{BB962C8B-B14F-4D97-AF65-F5344CB8AC3E}">
-        <p14:creationId xmlns:p14="http://schemas.microsoft.com/office/powerpoint/2010/main" val="1122050379"/>
+        <p14:creationId xmlns:p14="http://schemas.microsoft.com/office/powerpoint/2010/main" val="62903494"/>
       </p:ext>
     </p:extLst>
   </p:cSld>
@@ -3743,13 +4390,13 @@
               </a:ext>
             </a:extLst>
           </a:blip>
-          <a:srcRect l="9186" t="10928" r="27636" b="10836"/>
+          <a:srcRect l="2274" t="23379" r="21838" b="15982"/>
           <a:stretch/>
         </p:blipFill>
         <p:spPr>
           <a:xfrm>
-            <a:off x="1265129" y="2498009"/>
-            <a:ext cx="5060515" cy="3577114"/>
+            <a:off x="325677" y="1603332"/>
+            <a:ext cx="9169052" cy="4158641"/>
           </a:xfrm>
           <a:prstGeom prst="rect">
             <a:avLst/>
@@ -3759,7 +4406,7 @@
     </p:spTree>
     <p:extLst>
       <p:ext uri="{BB962C8B-B14F-4D97-AF65-F5344CB8AC3E}">
-        <p14:creationId xmlns:p14="http://schemas.microsoft.com/office/powerpoint/2010/main" val="973612613"/>
+        <p14:creationId xmlns:p14="http://schemas.microsoft.com/office/powerpoint/2010/main" val="1499282426"/>
       </p:ext>
     </p:extLst>
   </p:cSld>
@@ -3802,6 +4449,124 @@
               </a:ext>
             </a:extLst>
           </a:blip>
+          <a:srcRect l="2308" t="36141" r="22133" b="16212"/>
+          <a:stretch/>
+        </p:blipFill>
+        <p:spPr>
+          <a:xfrm>
+            <a:off x="450937" y="2492679"/>
+            <a:ext cx="8943584" cy="3219190"/>
+          </a:xfrm>
+          <a:prstGeom prst="rect">
+            <a:avLst/>
+          </a:prstGeom>
+        </p:spPr>
+      </p:pic>
+    </p:spTree>
+    <p:extLst>
+      <p:ext uri="{BB962C8B-B14F-4D97-AF65-F5344CB8AC3E}">
+        <p14:creationId xmlns:p14="http://schemas.microsoft.com/office/powerpoint/2010/main" val="1122050379"/>
+      </p:ext>
+    </p:extLst>
+  </p:cSld>
+  <p:clrMapOvr>
+    <a:masterClrMapping/>
+  </p:clrMapOvr>
+</p:sld>
+</file>
+
+<file path=ppt/slides/slide6.xml><?xml version="1.0" encoding="utf-8"?>
+<p:sld xmlns:a="http://schemas.openxmlformats.org/drawingml/2006/main" xmlns:r="http://schemas.openxmlformats.org/officeDocument/2006/relationships" xmlns:p="http://schemas.openxmlformats.org/presentationml/2006/main">
+  <p:cSld>
+    <p:spTree>
+      <p:nvGrpSpPr>
+        <p:cNvPr id="1" name=""/>
+        <p:cNvGrpSpPr/>
+        <p:nvPr/>
+      </p:nvGrpSpPr>
+      <p:grpSpPr>
+        <a:xfrm>
+          <a:off x="0" y="0"/>
+          <a:ext cx="0" cy="0"/>
+          <a:chOff x="0" y="0"/>
+          <a:chExt cx="0" cy="0"/>
+        </a:xfrm>
+      </p:grpSpPr>
+      <p:pic>
+        <p:nvPicPr>
+          <p:cNvPr id="4" name="Picture 3"/>
+          <p:cNvPicPr>
+            <a:picLocks noChangeAspect="1"/>
+          </p:cNvPicPr>
+          <p:nvPr/>
+        </p:nvPicPr>
+        <p:blipFill rotWithShape="1">
+          <a:blip r:embed="rId2">
+            <a:extLst>
+              <a:ext uri="{28A0092B-C50C-407E-A947-70E740481C1C}">
+                <a14:useLocalDpi xmlns:a14="http://schemas.microsoft.com/office/drawing/2010/main" val="0"/>
+              </a:ext>
+            </a:extLst>
+          </a:blip>
+          <a:srcRect l="9186" t="10928" r="27636" b="10836"/>
+          <a:stretch/>
+        </p:blipFill>
+        <p:spPr>
+          <a:xfrm>
+            <a:off x="1265129" y="2498009"/>
+            <a:ext cx="5060515" cy="3577114"/>
+          </a:xfrm>
+          <a:prstGeom prst="rect">
+            <a:avLst/>
+          </a:prstGeom>
+        </p:spPr>
+      </p:pic>
+    </p:spTree>
+    <p:extLst>
+      <p:ext uri="{BB962C8B-B14F-4D97-AF65-F5344CB8AC3E}">
+        <p14:creationId xmlns:p14="http://schemas.microsoft.com/office/powerpoint/2010/main" val="973612613"/>
+      </p:ext>
+    </p:extLst>
+  </p:cSld>
+  <p:clrMapOvr>
+    <a:masterClrMapping/>
+  </p:clrMapOvr>
+</p:sld>
+</file>
+
+<file path=ppt/slides/slide7.xml><?xml version="1.0" encoding="utf-8"?>
+<p:sld xmlns:a="http://schemas.openxmlformats.org/drawingml/2006/main" xmlns:r="http://schemas.openxmlformats.org/officeDocument/2006/relationships" xmlns:p="http://schemas.openxmlformats.org/presentationml/2006/main">
+  <p:cSld>
+    <p:spTree>
+      <p:nvGrpSpPr>
+        <p:cNvPr id="1" name=""/>
+        <p:cNvGrpSpPr/>
+        <p:nvPr/>
+      </p:nvGrpSpPr>
+      <p:grpSpPr>
+        <a:xfrm>
+          <a:off x="0" y="0"/>
+          <a:ext cx="0" cy="0"/>
+          <a:chOff x="0" y="0"/>
+          <a:chExt cx="0" cy="0"/>
+        </a:xfrm>
+      </p:grpSpPr>
+      <p:pic>
+        <p:nvPicPr>
+          <p:cNvPr id="4" name="Picture 3"/>
+          <p:cNvPicPr>
+            <a:picLocks noChangeAspect="1"/>
+          </p:cNvPicPr>
+          <p:nvPr/>
+        </p:nvPicPr>
+        <p:blipFill rotWithShape="1">
+          <a:blip r:embed="rId2">
+            <a:extLst>
+              <a:ext uri="{28A0092B-C50C-407E-A947-70E740481C1C}">
+                <a14:useLocalDpi xmlns:a14="http://schemas.microsoft.com/office/drawing/2010/main" val="0"/>
+              </a:ext>
+            </a:extLst>
+          </a:blip>
           <a:srcRect l="2379" t="23379" r="22046" b="15799"/>
           <a:stretch/>
         </p:blipFill>
@@ -3828,7 +4593,7 @@
 </p:sld>
 </file>
 
-<file path=ppt/slides/slide6.xml><?xml version="1.0" encoding="utf-8"?>
+<file path=ppt/slides/slide8.xml><?xml version="1.0" encoding="utf-8"?>
 <p:sld xmlns:a="http://schemas.openxmlformats.org/drawingml/2006/main" xmlns:r="http://schemas.openxmlformats.org/officeDocument/2006/relationships" xmlns:p="http://schemas.openxmlformats.org/presentationml/2006/main">
   <p:cSld>
     <p:bg>
@@ -4941,7 +5706,7 @@
 </p:sld>
 </file>
 
-<file path=ppt/slides/slide7.xml><?xml version="1.0" encoding="utf-8"?>
+<file path=ppt/slides/slide9.xml><?xml version="1.0" encoding="utf-8"?>
 <p:sld xmlns:a="http://schemas.openxmlformats.org/drawingml/2006/main" xmlns:r="http://schemas.openxmlformats.org/officeDocument/2006/relationships" xmlns:p="http://schemas.openxmlformats.org/presentationml/2006/main">
   <p:cSld>
     <p:spTree>
@@ -4991,124 +5756,6 @@
     <p:extLst>
       <p:ext uri="{BB962C8B-B14F-4D97-AF65-F5344CB8AC3E}">
         <p14:creationId xmlns:p14="http://schemas.microsoft.com/office/powerpoint/2010/main" val="534058597"/>
-      </p:ext>
-    </p:extLst>
-  </p:cSld>
-  <p:clrMapOvr>
-    <a:masterClrMapping/>
-  </p:clrMapOvr>
-</p:sld>
-</file>
-
-<file path=ppt/slides/slide8.xml><?xml version="1.0" encoding="utf-8"?>
-<p:sld xmlns:a="http://schemas.openxmlformats.org/drawingml/2006/main" xmlns:r="http://schemas.openxmlformats.org/officeDocument/2006/relationships" xmlns:p="http://schemas.openxmlformats.org/presentationml/2006/main">
-  <p:cSld>
-    <p:spTree>
-      <p:nvGrpSpPr>
-        <p:cNvPr id="1" name=""/>
-        <p:cNvGrpSpPr/>
-        <p:nvPr/>
-      </p:nvGrpSpPr>
-      <p:grpSpPr>
-        <a:xfrm>
-          <a:off x="0" y="0"/>
-          <a:ext cx="0" cy="0"/>
-          <a:chOff x="0" y="0"/>
-          <a:chExt cx="0" cy="0"/>
-        </a:xfrm>
-      </p:grpSpPr>
-      <p:pic>
-        <p:nvPicPr>
-          <p:cNvPr id="5" name="Picture 4">
-            <a:extLst>
-              <a:ext uri="{FF2B5EF4-FFF2-40B4-BE49-F238E27FC236}">
-                <a16:creationId xmlns:a16="http://schemas.microsoft.com/office/drawing/2014/main" id="{6EB90009-678F-1141-ACD6-953B75C8E90D}"/>
-              </a:ext>
-            </a:extLst>
-          </p:cNvPr>
-          <p:cNvPicPr>
-            <a:picLocks noChangeAspect="1"/>
-          </p:cNvPicPr>
-          <p:nvPr/>
-        </p:nvPicPr>
-        <p:blipFill rotWithShape="1">
-          <a:blip r:embed="rId2"/>
-          <a:srcRect l="9074" t="53489" r="18412"/>
-          <a:stretch/>
-        </p:blipFill>
-        <p:spPr>
-          <a:xfrm>
-            <a:off x="2243469" y="3668232"/>
-            <a:ext cx="6826103" cy="3189768"/>
-          </a:xfrm>
-          <a:prstGeom prst="rect">
-            <a:avLst/>
-          </a:prstGeom>
-        </p:spPr>
-      </p:pic>
-    </p:spTree>
-    <p:extLst>
-      <p:ext uri="{BB962C8B-B14F-4D97-AF65-F5344CB8AC3E}">
-        <p14:creationId xmlns:p14="http://schemas.microsoft.com/office/powerpoint/2010/main" val="729834690"/>
-      </p:ext>
-    </p:extLst>
-  </p:cSld>
-  <p:clrMapOvr>
-    <a:masterClrMapping/>
-  </p:clrMapOvr>
-</p:sld>
-</file>
-
-<file path=ppt/slides/slide9.xml><?xml version="1.0" encoding="utf-8"?>
-<p:sld xmlns:a="http://schemas.openxmlformats.org/drawingml/2006/main" xmlns:r="http://schemas.openxmlformats.org/officeDocument/2006/relationships" xmlns:p="http://schemas.openxmlformats.org/presentationml/2006/main">
-  <p:cSld>
-    <p:spTree>
-      <p:nvGrpSpPr>
-        <p:cNvPr id="1" name=""/>
-        <p:cNvGrpSpPr/>
-        <p:nvPr/>
-      </p:nvGrpSpPr>
-      <p:grpSpPr>
-        <a:xfrm>
-          <a:off x="0" y="0"/>
-          <a:ext cx="0" cy="0"/>
-          <a:chOff x="0" y="0"/>
-          <a:chExt cx="0" cy="0"/>
-        </a:xfrm>
-      </p:grpSpPr>
-      <p:pic>
-        <p:nvPicPr>
-          <p:cNvPr id="5" name="Picture 4">
-            <a:extLst>
-              <a:ext uri="{FF2B5EF4-FFF2-40B4-BE49-F238E27FC236}">
-                <a16:creationId xmlns:a16="http://schemas.microsoft.com/office/drawing/2014/main" id="{5BA9FD6E-80E7-D848-9F2E-C03819D7B304}"/>
-              </a:ext>
-            </a:extLst>
-          </p:cNvPr>
-          <p:cNvPicPr>
-            <a:picLocks noChangeAspect="1"/>
-          </p:cNvPicPr>
-          <p:nvPr/>
-        </p:nvPicPr>
-        <p:blipFill rotWithShape="1">
-          <a:blip r:embed="rId2"/>
-          <a:srcRect l="9075" t="52248" r="23495" b="2015"/>
-          <a:stretch/>
-        </p:blipFill>
-        <p:spPr>
-          <a:xfrm>
-            <a:off x="2243470" y="3583172"/>
-            <a:ext cx="6347637" cy="3136605"/>
-          </a:xfrm>
-          <a:prstGeom prst="rect">
-            <a:avLst/>
-          </a:prstGeom>
-        </p:spPr>
-      </p:pic>
-    </p:spTree>
-    <p:extLst>
-      <p:ext uri="{BB962C8B-B14F-4D97-AF65-F5344CB8AC3E}">
-        <p14:creationId xmlns:p14="http://schemas.microsoft.com/office/powerpoint/2010/main" val="2552109297"/>
       </p:ext>
     </p:extLst>
   </p:cSld>
